--- a/Figures/VectorSynthesisedConstructors.pptx
+++ b/Figures/VectorSynthesisedConstructors.pptx
@@ -288,7 +288,7 @@
           <a:p>
             <a:fld id="{4A558CC7-AE26-7E43-876B-01B3BA766050}" type="datetimeFigureOut">
               <a:rPr lang="da-DK" smtClean="0"/>
-              <a:t>03/06/14</a:t>
+              <a:t>07/07/14</a:t>
             </a:fld>
             <a:endParaRPr lang="en-GB"/>
           </a:p>
@@ -458,7 +458,7 @@
           <a:p>
             <a:fld id="{4A558CC7-AE26-7E43-876B-01B3BA766050}" type="datetimeFigureOut">
               <a:rPr lang="da-DK" smtClean="0"/>
-              <a:t>03/06/14</a:t>
+              <a:t>07/07/14</a:t>
             </a:fld>
             <a:endParaRPr lang="en-GB"/>
           </a:p>
@@ -638,7 +638,7 @@
           <a:p>
             <a:fld id="{4A558CC7-AE26-7E43-876B-01B3BA766050}" type="datetimeFigureOut">
               <a:rPr lang="da-DK" smtClean="0"/>
-              <a:t>03/06/14</a:t>
+              <a:t>07/07/14</a:t>
             </a:fld>
             <a:endParaRPr lang="en-GB"/>
           </a:p>
@@ -808,7 +808,7 @@
           <a:p>
             <a:fld id="{4A558CC7-AE26-7E43-876B-01B3BA766050}" type="datetimeFigureOut">
               <a:rPr lang="da-DK" smtClean="0"/>
-              <a:t>03/06/14</a:t>
+              <a:t>07/07/14</a:t>
             </a:fld>
             <a:endParaRPr lang="en-GB"/>
           </a:p>
@@ -1054,7 +1054,7 @@
           <a:p>
             <a:fld id="{4A558CC7-AE26-7E43-876B-01B3BA766050}" type="datetimeFigureOut">
               <a:rPr lang="da-DK" smtClean="0"/>
-              <a:t>03/06/14</a:t>
+              <a:t>07/07/14</a:t>
             </a:fld>
             <a:endParaRPr lang="en-GB"/>
           </a:p>
@@ -1342,7 +1342,7 @@
           <a:p>
             <a:fld id="{4A558CC7-AE26-7E43-876B-01B3BA766050}" type="datetimeFigureOut">
               <a:rPr lang="da-DK" smtClean="0"/>
-              <a:t>03/06/14</a:t>
+              <a:t>07/07/14</a:t>
             </a:fld>
             <a:endParaRPr lang="en-GB"/>
           </a:p>
@@ -1764,7 +1764,7 @@
           <a:p>
             <a:fld id="{4A558CC7-AE26-7E43-876B-01B3BA766050}" type="datetimeFigureOut">
               <a:rPr lang="da-DK" smtClean="0"/>
-              <a:t>03/06/14</a:t>
+              <a:t>07/07/14</a:t>
             </a:fld>
             <a:endParaRPr lang="en-GB"/>
           </a:p>
@@ -1882,7 +1882,7 @@
           <a:p>
             <a:fld id="{4A558CC7-AE26-7E43-876B-01B3BA766050}" type="datetimeFigureOut">
               <a:rPr lang="da-DK" smtClean="0"/>
-              <a:t>03/06/14</a:t>
+              <a:t>07/07/14</a:t>
             </a:fld>
             <a:endParaRPr lang="en-GB"/>
           </a:p>
@@ -1977,7 +1977,7 @@
           <a:p>
             <a:fld id="{4A558CC7-AE26-7E43-876B-01B3BA766050}" type="datetimeFigureOut">
               <a:rPr lang="da-DK" smtClean="0"/>
-              <a:t>03/06/14</a:t>
+              <a:t>07/07/14</a:t>
             </a:fld>
             <a:endParaRPr lang="en-GB"/>
           </a:p>
@@ -2254,7 +2254,7 @@
           <a:p>
             <a:fld id="{4A558CC7-AE26-7E43-876B-01B3BA766050}" type="datetimeFigureOut">
               <a:rPr lang="da-DK" smtClean="0"/>
-              <a:t>03/06/14</a:t>
+              <a:t>07/07/14</a:t>
             </a:fld>
             <a:endParaRPr lang="en-GB"/>
           </a:p>
@@ -2507,7 +2507,7 @@
           <a:p>
             <a:fld id="{4A558CC7-AE26-7E43-876B-01B3BA766050}" type="datetimeFigureOut">
               <a:rPr lang="da-DK" smtClean="0"/>
-              <a:t>03/06/14</a:t>
+              <a:t>07/07/14</a:t>
             </a:fld>
             <a:endParaRPr lang="en-GB"/>
           </a:p>
@@ -2720,7 +2720,7 @@
           <a:p>
             <a:fld id="{4A558CC7-AE26-7E43-876B-01B3BA766050}" type="datetimeFigureOut">
               <a:rPr lang="da-DK" smtClean="0"/>
-              <a:t>03/06/14</a:t>
+              <a:t>07/07/14</a:t>
             </a:fld>
             <a:endParaRPr lang="en-GB"/>
           </a:p>
@@ -3288,24 +3288,7 @@
             <a:r>
               <a:rPr lang="en-GB" dirty="0">
                 <a:solidFill>
-                  <a:srgbClr val="9BBB59"/>
-                </a:solidFill>
-                <a:latin typeface="Lucida Console"/>
-                <a:cs typeface="Lucida Console"/>
-              </a:rPr>
-              <a:t>Z</a:t>
-            </a:r>
-            <a:r>
-              <a:rPr lang="en-GB" dirty="0" smtClean="0">
-                <a:latin typeface="Lucida Console"/>
-                <a:cs typeface="Lucida Console"/>
-              </a:rPr>
-              <a:t> </a:t>
-            </a:r>
-            <a:r>
-              <a:rPr lang="en-GB" dirty="0" smtClean="0">
-                <a:solidFill>
-                  <a:schemeClr val="tx2">
+                  <a:schemeClr val="accent2">
                     <a:lumMod val="60000"/>
                     <a:lumOff val="40000"/>
                   </a:schemeClr>
@@ -3314,6 +3297,26 @@
                 <a:cs typeface="Lucida Console"/>
               </a:rPr>
               <a:t>a</a:t>
+            </a:r>
+            <a:r>
+              <a:rPr lang="en-GB" dirty="0" smtClean="0">
+                <a:solidFill>
+                  <a:srgbClr val="C0504D"/>
+                </a:solidFill>
+                <a:latin typeface="Lucida Console"/>
+                <a:cs typeface="Lucida Console"/>
+              </a:rPr>
+              <a:t> </a:t>
+            </a:r>
+            <a:r>
+              <a:rPr lang="en-GB" dirty="0" smtClean="0">
+                <a:solidFill>
+                  <a:srgbClr val="9BBB59"/>
+                </a:solidFill>
+                <a:latin typeface="Lucida Console"/>
+                <a:cs typeface="Lucida Console"/>
+              </a:rPr>
+              <a:t>Z</a:t>
             </a:r>
             <a:endParaRPr lang="en-GB" dirty="0" smtClean="0">
               <a:solidFill>
@@ -3389,7 +3392,34 @@
                 <a:latin typeface="Lucida Console"/>
                 <a:cs typeface="Lucida Console"/>
               </a:rPr>
-              <a:t>(TZ **</a:t>
+              <a:t>**</a:t>
+            </a:r>
+            <a:r>
+              <a:rPr lang="en-GB" dirty="0">
+                <a:latin typeface="Lucida Console"/>
+                <a:cs typeface="Lucida Console"/>
+              </a:rPr>
+              <a:t> </a:t>
+            </a:r>
+            <a:r>
+              <a:rPr lang="en-GB" dirty="0" smtClean="0">
+                <a:solidFill>
+                  <a:srgbClr val="9BBB59"/>
+                </a:solidFill>
+                <a:latin typeface="Lucida Console"/>
+                <a:cs typeface="Lucida Console"/>
+              </a:rPr>
+              <a:t>(</a:t>
+            </a:r>
+            <a:r>
+              <a:rPr lang="en-GB" dirty="0">
+                <a:solidFill>
+                  <a:srgbClr val="9BBB59"/>
+                </a:solidFill>
+                <a:latin typeface="Lucida Console"/>
+                <a:cs typeface="Lucida Console"/>
+              </a:rPr>
+              <a:t>TZ **</a:t>
             </a:r>
             <a:r>
               <a:rPr lang="en-GB" dirty="0">
@@ -3581,13 +3611,91 @@
               <a:t> </a:t>
             </a:r>
             <a:r>
-              <a:rPr lang="en-GB" dirty="0" smtClean="0">
+              <a:rPr lang="en-GB" dirty="0">
                 <a:solidFill>
                   <a:srgbClr val="D99694"/>
                 </a:solidFill>
                 <a:latin typeface="Lucida Console"/>
                 <a:cs typeface="Lucida Console"/>
               </a:rPr>
+              <a:t>a n</a:t>
+            </a:r>
+            <a:r>
+              <a:rPr lang="en-GB" dirty="0" smtClean="0">
+                <a:latin typeface="Lucida Console"/>
+                <a:cs typeface="Lucida Console"/>
+              </a:rPr>
+              <a:t> </a:t>
+            </a:r>
+            <a:r>
+              <a:rPr lang="en-GB" dirty="0" smtClean="0">
+                <a:latin typeface="Lucida Console"/>
+                <a:cs typeface="Lucida Console"/>
+              </a:rPr>
+              <a:t>-&gt; </a:t>
+            </a:r>
+            <a:r>
+              <a:rPr lang="en-GB" dirty="0" err="1" smtClean="0">
+                <a:solidFill>
+                  <a:srgbClr val="C0504D"/>
+                </a:solidFill>
+                <a:latin typeface="Lucida Console"/>
+                <a:cs typeface="Lucida Console"/>
+              </a:rPr>
+              <a:t>Vec</a:t>
+            </a:r>
+            <a:r>
+              <a:rPr lang="en-GB" dirty="0" smtClean="0">
+                <a:solidFill>
+                  <a:srgbClr val="C0504D"/>
+                </a:solidFill>
+                <a:latin typeface="Lucida Console"/>
+                <a:cs typeface="Lucida Console"/>
+              </a:rPr>
+              <a:t> </a:t>
+            </a:r>
+            <a:r>
+              <a:rPr lang="en-GB" dirty="0" smtClean="0">
+                <a:solidFill>
+                  <a:srgbClr val="D99694"/>
+                </a:solidFill>
+                <a:latin typeface="Lucida Console"/>
+                <a:cs typeface="Lucida Console"/>
+              </a:rPr>
+              <a:t>a </a:t>
+            </a:r>
+            <a:r>
+              <a:rPr lang="en-GB" dirty="0">
+                <a:latin typeface="Lucida Console"/>
+                <a:cs typeface="Lucida Console"/>
+              </a:rPr>
+              <a:t>(</a:t>
+            </a:r>
+            <a:r>
+              <a:rPr lang="en-GB" dirty="0">
+                <a:solidFill>
+                  <a:schemeClr val="accent3"/>
+                </a:solidFill>
+                <a:latin typeface="Lucida Console"/>
+                <a:cs typeface="Lucida Console"/>
+              </a:rPr>
+              <a:t>S</a:t>
+            </a:r>
+            <a:r>
+              <a:rPr lang="en-GB" dirty="0">
+                <a:latin typeface="Lucida Console"/>
+                <a:cs typeface="Lucida Console"/>
+              </a:rPr>
+              <a:t> </a:t>
+            </a:r>
+            <a:r>
+              <a:rPr lang="en-GB" dirty="0">
+                <a:solidFill>
+                  <a:srgbClr val="D99694"/>
+                </a:solidFill>
+                <a:latin typeface="Lucida Console"/>
+                <a:cs typeface="Lucida Console"/>
+              </a:rPr>
               <a:t>n</a:t>
             </a:r>
             <a:r>
@@ -3595,95 +3703,7 @@
                 <a:latin typeface="Lucida Console"/>
                 <a:cs typeface="Lucida Console"/>
               </a:rPr>
-              <a:t> </a:t>
-            </a:r>
-            <a:r>
-              <a:rPr lang="en-GB" dirty="0" smtClean="0">
-                <a:solidFill>
-                  <a:srgbClr val="D99694"/>
-                </a:solidFill>
-                <a:latin typeface="Lucida Console"/>
-                <a:cs typeface="Lucida Console"/>
-              </a:rPr>
-              <a:t>a</a:t>
-            </a:r>
-            <a:r>
-              <a:rPr lang="en-GB" dirty="0" smtClean="0">
-                <a:latin typeface="Lucida Console"/>
-                <a:cs typeface="Lucida Console"/>
-              </a:rPr>
-              <a:t> -&gt; </a:t>
-            </a:r>
-            <a:r>
-              <a:rPr lang="en-GB" dirty="0" err="1" smtClean="0">
-                <a:solidFill>
-                  <a:srgbClr val="C0504D"/>
-                </a:solidFill>
-                <a:latin typeface="Lucida Console"/>
-                <a:cs typeface="Lucida Console"/>
-              </a:rPr>
-              <a:t>Vec</a:t>
-            </a:r>
-            <a:r>
-              <a:rPr lang="en-GB" dirty="0" smtClean="0">
-                <a:solidFill>
-                  <a:srgbClr val="C0504D"/>
-                </a:solidFill>
-                <a:latin typeface="Lucida Console"/>
-                <a:cs typeface="Lucida Console"/>
-              </a:rPr>
-              <a:t> </a:t>
-            </a:r>
-            <a:r>
-              <a:rPr lang="en-GB" dirty="0" smtClean="0">
-                <a:latin typeface="Lucida Console"/>
-                <a:cs typeface="Lucida Console"/>
-              </a:rPr>
-              <a:t>(</a:t>
-            </a:r>
-            <a:r>
-              <a:rPr lang="en-GB" dirty="0" smtClean="0">
-                <a:solidFill>
-                  <a:schemeClr val="accent3"/>
-                </a:solidFill>
-                <a:latin typeface="Lucida Console"/>
-                <a:cs typeface="Lucida Console"/>
-              </a:rPr>
-              <a:t>S</a:t>
-            </a:r>
-            <a:r>
-              <a:rPr lang="en-GB" dirty="0" smtClean="0">
-                <a:latin typeface="Lucida Console"/>
-                <a:cs typeface="Lucida Console"/>
-              </a:rPr>
-              <a:t> </a:t>
-            </a:r>
-            <a:r>
-              <a:rPr lang="en-GB" dirty="0" smtClean="0">
-                <a:solidFill>
-                  <a:srgbClr val="D99694"/>
-                </a:solidFill>
-                <a:latin typeface="Lucida Console"/>
-                <a:cs typeface="Lucida Console"/>
-              </a:rPr>
-              <a:t>n</a:t>
-            </a:r>
-            <a:r>
-              <a:rPr lang="en-GB" dirty="0" smtClean="0">
-                <a:latin typeface="Lucida Console"/>
-                <a:cs typeface="Lucida Console"/>
-              </a:rPr>
-              <a:t>) </a:t>
-            </a:r>
-            <a:r>
-              <a:rPr lang="en-GB" dirty="0" smtClean="0">
-                <a:solidFill>
-                  <a:srgbClr val="D99694"/>
-                </a:solidFill>
-                <a:latin typeface="Lucida Console"/>
-                <a:cs typeface="Lucida Console"/>
-              </a:rPr>
-              <a:t>a</a:t>
+              <a:t>)</a:t>
             </a:r>
             <a:endParaRPr lang="en-GB" dirty="0">
               <a:solidFill>
@@ -3806,23 +3826,50 @@
               <a:t>“Cons” </a:t>
             </a:r>
             <a:r>
-              <a:rPr lang="en-GB" dirty="0" smtClean="0">
+              <a:rPr lang="en-GB" dirty="0">
                 <a:solidFill>
                   <a:srgbClr val="9BBB59"/>
                 </a:solidFill>
                 <a:latin typeface="Lucida Console"/>
                 <a:cs typeface="Lucida Console"/>
               </a:rPr>
-              <a:t>(TS TZ </a:t>
+              <a:t>**</a:t>
             </a:r>
             <a:r>
               <a:rPr lang="en-GB" dirty="0">
+                <a:latin typeface="Lucida Console"/>
+                <a:cs typeface="Lucida Console"/>
+              </a:rPr>
+              <a:t> </a:t>
+            </a:r>
+            <a:r>
+              <a:rPr lang="en-GB" dirty="0" smtClean="0">
                 <a:solidFill>
                   <a:srgbClr val="9BBB59"/>
                 </a:solidFill>
                 <a:latin typeface="Lucida Console"/>
                 <a:cs typeface="Lucida Console"/>
               </a:rPr>
+              <a:t>(</a:t>
+            </a:r>
+            <a:r>
+              <a:rPr lang="en-GB" dirty="0" smtClean="0">
+                <a:solidFill>
+                  <a:srgbClr val="9BBB59"/>
+                </a:solidFill>
+                <a:latin typeface="Lucida Console"/>
+                <a:cs typeface="Lucida Console"/>
+              </a:rPr>
+              <a:t>TS TZ </a:t>
+            </a:r>
+            <a:r>
+              <a:rPr lang="en-GB" dirty="0">
+                <a:solidFill>
+                  <a:srgbClr val="9BBB59"/>
+                </a:solidFill>
+                <a:latin typeface="Lucida Console"/>
+                <a:cs typeface="Lucida Console"/>
+              </a:rPr>
               <a:t>** </a:t>
             </a:r>
             <a:r>
@@ -3991,10 +4038,6 @@
               </a:rPr>
               <a:t>                      </a:t>
             </a:r>
-            <a:endParaRPr lang="en-GB" dirty="0" smtClean="0">
-              <a:latin typeface="Lucida Console"/>
-              <a:cs typeface="Lucida Console"/>
-            </a:endParaRPr>
           </a:p>
         </p:txBody>
       </p:sp>
